--- a/Report/StatsReport.pptx
+++ b/Report/StatsReport.pptx
@@ -243,7 +243,7 @@
           <a:p>
             <a:fld id="{AAC2331D-D4B3-4C06-B236-25CA15A32DEF}" type="datetimeFigureOut">
               <a:rPr lang="en-US" smtClean="0"/>
-              <a:t>1/22/2021</a:t>
+              <a:t>1/24/2021</a:t>
             </a:fld>
             <a:endParaRPr lang="en-US"/>
           </a:p>
@@ -413,7 +413,7 @@
           <a:p>
             <a:fld id="{AAC2331D-D4B3-4C06-B236-25CA15A32DEF}" type="datetimeFigureOut">
               <a:rPr lang="en-US" smtClean="0"/>
-              <a:t>1/22/2021</a:t>
+              <a:t>1/24/2021</a:t>
             </a:fld>
             <a:endParaRPr lang="en-US"/>
           </a:p>
@@ -593,7 +593,7 @@
           <a:p>
             <a:fld id="{AAC2331D-D4B3-4C06-B236-25CA15A32DEF}" type="datetimeFigureOut">
               <a:rPr lang="en-US" smtClean="0"/>
-              <a:t>1/22/2021</a:t>
+              <a:t>1/24/2021</a:t>
             </a:fld>
             <a:endParaRPr lang="en-US"/>
           </a:p>
@@ -763,7 +763,7 @@
           <a:p>
             <a:fld id="{AAC2331D-D4B3-4C06-B236-25CA15A32DEF}" type="datetimeFigureOut">
               <a:rPr lang="en-US" smtClean="0"/>
-              <a:t>1/22/2021</a:t>
+              <a:t>1/24/2021</a:t>
             </a:fld>
             <a:endParaRPr lang="en-US"/>
           </a:p>
@@ -1007,7 +1007,7 @@
           <a:p>
             <a:fld id="{AAC2331D-D4B3-4C06-B236-25CA15A32DEF}" type="datetimeFigureOut">
               <a:rPr lang="en-US" smtClean="0"/>
-              <a:t>1/22/2021</a:t>
+              <a:t>1/24/2021</a:t>
             </a:fld>
             <a:endParaRPr lang="en-US"/>
           </a:p>
@@ -1239,7 +1239,7 @@
           <a:p>
             <a:fld id="{AAC2331D-D4B3-4C06-B236-25CA15A32DEF}" type="datetimeFigureOut">
               <a:rPr lang="en-US" smtClean="0"/>
-              <a:t>1/22/2021</a:t>
+              <a:t>1/24/2021</a:t>
             </a:fld>
             <a:endParaRPr lang="en-US"/>
           </a:p>
@@ -1606,7 +1606,7 @@
           <a:p>
             <a:fld id="{AAC2331D-D4B3-4C06-B236-25CA15A32DEF}" type="datetimeFigureOut">
               <a:rPr lang="en-US" smtClean="0"/>
-              <a:t>1/22/2021</a:t>
+              <a:t>1/24/2021</a:t>
             </a:fld>
             <a:endParaRPr lang="en-US"/>
           </a:p>
@@ -1724,7 +1724,7 @@
           <a:p>
             <a:fld id="{AAC2331D-D4B3-4C06-B236-25CA15A32DEF}" type="datetimeFigureOut">
               <a:rPr lang="en-US" smtClean="0"/>
-              <a:t>1/22/2021</a:t>
+              <a:t>1/24/2021</a:t>
             </a:fld>
             <a:endParaRPr lang="en-US"/>
           </a:p>
@@ -1819,7 +1819,7 @@
           <a:p>
             <a:fld id="{AAC2331D-D4B3-4C06-B236-25CA15A32DEF}" type="datetimeFigureOut">
               <a:rPr lang="en-US" smtClean="0"/>
-              <a:t>1/22/2021</a:t>
+              <a:t>1/24/2021</a:t>
             </a:fld>
             <a:endParaRPr lang="en-US"/>
           </a:p>
@@ -2096,7 +2096,7 @@
           <a:p>
             <a:fld id="{AAC2331D-D4B3-4C06-B236-25CA15A32DEF}" type="datetimeFigureOut">
               <a:rPr lang="en-US" smtClean="0"/>
-              <a:t>1/22/2021</a:t>
+              <a:t>1/24/2021</a:t>
             </a:fld>
             <a:endParaRPr lang="en-US"/>
           </a:p>
@@ -2353,7 +2353,7 @@
           <a:p>
             <a:fld id="{AAC2331D-D4B3-4C06-B236-25CA15A32DEF}" type="datetimeFigureOut">
               <a:rPr lang="en-US" smtClean="0"/>
-              <a:t>1/22/2021</a:t>
+              <a:t>1/24/2021</a:t>
             </a:fld>
             <a:endParaRPr lang="en-US"/>
           </a:p>
@@ -2566,7 +2566,7 @@
           <a:p>
             <a:fld id="{AAC2331D-D4B3-4C06-B236-25CA15A32DEF}" type="datetimeFigureOut">
               <a:rPr lang="en-US" smtClean="0"/>
-              <a:t>1/22/2021</a:t>
+              <a:t>1/24/2021</a:t>
             </a:fld>
             <a:endParaRPr lang="en-US"/>
           </a:p>
@@ -3000,13 +3000,11 @@
             <a:avLst/>
           </a:prstGeom>
           <a:solidFill>
-            <a:schemeClr val="accent5">
-              <a:lumMod val="75000"/>
-            </a:schemeClr>
+            <a:srgbClr val="00B0F0"/>
           </a:solidFill>
           <a:ln>
             <a:solidFill>
-              <a:schemeClr val="bg1"/>
+              <a:srgbClr val="00B0F0"/>
             </a:solidFill>
           </a:ln>
         </p:spPr>
@@ -3157,7 +3155,7 @@
         </p:nvSpPr>
         <p:spPr>
           <a:xfrm>
-            <a:off x="12389758" y="2136319"/>
+            <a:off x="12389129" y="2136319"/>
             <a:ext cx="5753100" cy="11449051"/>
           </a:xfrm>
           <a:prstGeom prst="rect">
@@ -3456,7 +3454,7 @@
         </p:nvSpPr>
         <p:spPr>
           <a:xfrm>
-            <a:off x="12498169" y="6410079"/>
+            <a:off x="12498168" y="7038139"/>
             <a:ext cx="5536277" cy="771188"/>
           </a:xfrm>
           <a:prstGeom prst="rect">
@@ -3571,6 +3569,12 @@
           <a:prstGeom prst="rect">
             <a:avLst/>
           </a:prstGeom>
+          <a:solidFill>
+            <a:srgbClr val="92D050"/>
+          </a:solidFill>
+          <a:ln>
+            <a:noFill/>
+          </a:ln>
         </p:spPr>
         <p:style>
           <a:lnRef idx="2">
@@ -3592,15 +3596,23 @@
           <a:p>
             <a:pPr algn="ctr"/>
             <a:r>
-              <a:rPr lang="en-US" dirty="0"/>
-              <a:t>What is the impact of Job type on salary</a:t>
+              <a:rPr lang="en-US" sz="2400" b="1" dirty="0">
+                <a:solidFill>
+                  <a:schemeClr val="bg1"/>
+                </a:solidFill>
+              </a:rPr>
+              <a:t>How different job titles</a:t>
             </a:r>
           </a:p>
           <a:p>
             <a:pPr algn="ctr"/>
             <a:r>
-              <a:rPr lang="en-US" dirty="0"/>
-              <a:t>Phuc</a:t>
+              <a:rPr lang="en-US" sz="2400" b="1" dirty="0">
+                <a:solidFill>
+                  <a:schemeClr val="bg1"/>
+                </a:solidFill>
+              </a:rPr>
+              <a:t> impacted salary?</a:t>
             </a:r>
           </a:p>
         </p:txBody>
@@ -3720,7 +3732,7 @@
         </p:nvSpPr>
         <p:spPr>
           <a:xfrm>
-            <a:off x="145142" y="2000250"/>
+            <a:off x="159922" y="2136318"/>
             <a:ext cx="5921828" cy="11449051"/>
           </a:xfrm>
           <a:prstGeom prst="rect">
@@ -3760,6 +3772,648 @@
           </a:p>
         </p:txBody>
       </p:sp>
+      <p:sp>
+        <p:nvSpPr>
+          <p:cNvPr id="21" name="Rectangle 20">
+            <a:extLst>
+              <a:ext uri="{FF2B5EF4-FFF2-40B4-BE49-F238E27FC236}">
+                <a16:creationId xmlns:a16="http://schemas.microsoft.com/office/drawing/2014/main" id="{80AADC1B-1DBC-400B-A0DF-2B72FC057078}"/>
+              </a:ext>
+            </a:extLst>
+          </p:cNvPr>
+          <p:cNvSpPr/>
+          <p:nvPr/>
+        </p:nvSpPr>
+        <p:spPr>
+          <a:xfrm>
+            <a:off x="12498169" y="3146201"/>
+            <a:ext cx="5536276" cy="1120999"/>
+          </a:xfrm>
+          <a:prstGeom prst="rect">
+            <a:avLst/>
+          </a:prstGeom>
+          <a:noFill/>
+          <a:ln>
+            <a:solidFill>
+              <a:schemeClr val="bg1"/>
+            </a:solidFill>
+          </a:ln>
+        </p:spPr>
+        <p:style>
+          <a:lnRef idx="2">
+            <a:schemeClr val="dk1"/>
+          </a:lnRef>
+          <a:fillRef idx="1">
+            <a:schemeClr val="lt1"/>
+          </a:fillRef>
+          <a:effectRef idx="0">
+            <a:schemeClr val="dk1"/>
+          </a:effectRef>
+          <a:fontRef idx="minor">
+            <a:schemeClr val="dk1"/>
+          </a:fontRef>
+        </p:style>
+        <p:txBody>
+          <a:bodyPr rtlCol="0" anchor="t"/>
+          <a:lstStyle/>
+          <a:p>
+            <a:pPr marL="285750" indent="-285750">
+              <a:buFontTx/>
+              <a:buChar char="-"/>
+            </a:pPr>
+            <a:r>
+              <a:rPr lang="en-US" sz="1200" b="1" dirty="0"/>
+              <a:t>Comments</a:t>
+            </a:r>
+          </a:p>
+        </p:txBody>
+      </p:sp>
+      <p:graphicFrame>
+        <p:nvGraphicFramePr>
+          <p:cNvPr id="3" name="Table 17">
+            <a:extLst>
+              <a:ext uri="{FF2B5EF4-FFF2-40B4-BE49-F238E27FC236}">
+                <a16:creationId xmlns:a16="http://schemas.microsoft.com/office/drawing/2014/main" id="{FDA44774-2910-4954-ACB5-B3EA26CC4967}"/>
+              </a:ext>
+            </a:extLst>
+          </p:cNvPr>
+          <p:cNvGraphicFramePr>
+            <a:graphicFrameLocks noGrp="1"/>
+          </p:cNvGraphicFramePr>
+          <p:nvPr>
+            <p:extLst>
+              <p:ext uri="{D42A27DB-BD31-4B8C-83A1-F6EECF244321}">
+                <p14:modId xmlns:p14="http://schemas.microsoft.com/office/powerpoint/2010/main" val="840858646"/>
+              </p:ext>
+            </p:extLst>
+          </p:nvPr>
+        </p:nvGraphicFramePr>
+        <p:xfrm>
+          <a:off x="16130588" y="3394508"/>
+          <a:ext cx="1903856" cy="1854498"/>
+        </p:xfrm>
+        <a:graphic>
+          <a:graphicData uri="http://schemas.openxmlformats.org/drawingml/2006/table">
+            <a:tbl>
+              <a:tblPr firstRow="1" bandRow="1">
+                <a:tableStyleId>{912C8C85-51F0-491E-9774-3900AFEF0FD7}</a:tableStyleId>
+              </a:tblPr>
+              <a:tblGrid>
+                <a:gridCol w="953488">
+                  <a:extLst>
+                    <a:ext uri="{9D8B030D-6E8A-4147-A177-3AD203B41FA5}">
+                      <a16:colId xmlns:a16="http://schemas.microsoft.com/office/drawing/2014/main" val="2148085622"/>
+                    </a:ext>
+                  </a:extLst>
+                </a:gridCol>
+                <a:gridCol w="495307">
+                  <a:extLst>
+                    <a:ext uri="{9D8B030D-6E8A-4147-A177-3AD203B41FA5}">
+                      <a16:colId xmlns:a16="http://schemas.microsoft.com/office/drawing/2014/main" val="1937459058"/>
+                    </a:ext>
+                  </a:extLst>
+                </a:gridCol>
+                <a:gridCol w="455061">
+                  <a:extLst>
+                    <a:ext uri="{9D8B030D-6E8A-4147-A177-3AD203B41FA5}">
+                      <a16:colId xmlns:a16="http://schemas.microsoft.com/office/drawing/2014/main" val="2854250010"/>
+                    </a:ext>
+                  </a:extLst>
+                </a:gridCol>
+              </a:tblGrid>
+              <a:tr h="397321">
+                <a:tc>
+                  <a:txBody>
+                    <a:bodyPr/>
+                    <a:lstStyle/>
+                    <a:p>
+                      <a:pPr marL="0" marR="0" lvl="0" indent="0" algn="ctr" defTabSz="1828800" rtl="0" eaLnBrk="1" fontAlgn="auto" latinLnBrk="0" hangingPunct="1">
+                        <a:lnSpc>
+                          <a:spcPct val="100000"/>
+                        </a:lnSpc>
+                        <a:spcBef>
+                          <a:spcPts val="0"/>
+                        </a:spcBef>
+                        <a:spcAft>
+                          <a:spcPts val="0"/>
+                        </a:spcAft>
+                        <a:buClrTx/>
+                        <a:buSzTx/>
+                        <a:buFontTx/>
+                        <a:buNone/>
+                        <a:tabLst/>
+                        <a:defRPr/>
+                      </a:pPr>
+                      <a:r>
+                        <a:rPr lang="en-US" sz="900" b="1" dirty="0"/>
+                        <a:t>~ Annual Salary (k$)</a:t>
+                      </a:r>
+                    </a:p>
+                  </a:txBody>
+                  <a:tcPr anchor="ctr"/>
+                </a:tc>
+                <a:tc>
+                  <a:txBody>
+                    <a:bodyPr/>
+                    <a:lstStyle/>
+                    <a:p>
+                      <a:pPr algn="ctr"/>
+                      <a:r>
+                        <a:rPr lang="en-US" sz="900" dirty="0"/>
+                        <a:t>Coefficients</a:t>
+                      </a:r>
+                    </a:p>
+                  </a:txBody>
+                  <a:tcPr anchor="ctr"/>
+                </a:tc>
+                <a:tc>
+                  <a:txBody>
+                    <a:bodyPr/>
+                    <a:lstStyle/>
+                    <a:p>
+                      <a:pPr algn="ctr"/>
+                      <a:r>
+                        <a:rPr lang="en-US" sz="900" dirty="0"/>
+                        <a:t>S.E</a:t>
+                      </a:r>
+                    </a:p>
+                  </a:txBody>
+                  <a:tcPr anchor="ctr"/>
+                </a:tc>
+                <a:extLst>
+                  <a:ext uri="{0D108BD9-81ED-4DB2-BD59-A6C34878D82A}">
+                    <a16:rowId xmlns:a16="http://schemas.microsoft.com/office/drawing/2014/main" val="4191682729"/>
+                  </a:ext>
+                </a:extLst>
+              </a:tr>
+              <a:tr h="397321">
+                <a:tc>
+                  <a:txBody>
+                    <a:bodyPr/>
+                    <a:lstStyle/>
+                    <a:p>
+                      <a:r>
+                        <a:rPr lang="en-US" sz="900" b="1" dirty="0">
+                          <a:effectLst/>
+                        </a:rPr>
+                        <a:t>Data Scientist /</a:t>
+                      </a:r>
+                    </a:p>
+                    <a:p>
+                      <a:r>
+                        <a:rPr lang="en-US" sz="900" b="1" dirty="0">
+                          <a:effectLst/>
+                        </a:rPr>
+                        <a:t>ML Specialist</a:t>
+                      </a:r>
+                      <a:endParaRPr lang="en-US" sz="900" b="1" dirty="0"/>
+                    </a:p>
+                  </a:txBody>
+                  <a:tcPr anchor="ctr"/>
+                </a:tc>
+                <a:tc>
+                  <a:txBody>
+                    <a:bodyPr/>
+                    <a:lstStyle/>
+                    <a:p>
+                      <a:pPr marL="0" marR="0" lvl="0" indent="0" algn="r" defTabSz="1828800" rtl="0" eaLnBrk="1" fontAlgn="auto" latinLnBrk="0" hangingPunct="1">
+                        <a:lnSpc>
+                          <a:spcPct val="100000"/>
+                        </a:lnSpc>
+                        <a:spcBef>
+                          <a:spcPts val="0"/>
+                        </a:spcBef>
+                        <a:spcAft>
+                          <a:spcPts val="0"/>
+                        </a:spcAft>
+                        <a:buClrTx/>
+                        <a:buSzTx/>
+                        <a:buFontTx/>
+                        <a:buNone/>
+                        <a:tabLst/>
+                        <a:defRPr/>
+                      </a:pPr>
+                      <a:r>
+                        <a:rPr lang="en-US" sz="900" b="0" dirty="0">
+                          <a:effectLst/>
+                        </a:rPr>
+                        <a:t>2.876</a:t>
+                      </a:r>
+                      <a:endParaRPr lang="en-US" sz="900" dirty="0"/>
+                    </a:p>
+                  </a:txBody>
+                  <a:tcPr anchor="ctr"/>
+                </a:tc>
+                <a:tc>
+                  <a:txBody>
+                    <a:bodyPr/>
+                    <a:lstStyle/>
+                    <a:p>
+                      <a:pPr algn="r"/>
+                      <a:r>
+                        <a:rPr lang="en-US" sz="900" dirty="0"/>
+                        <a:t>0.409</a:t>
+                      </a:r>
+                    </a:p>
+                  </a:txBody>
+                  <a:tcPr anchor="ctr"/>
+                </a:tc>
+                <a:extLst>
+                  <a:ext uri="{0D108BD9-81ED-4DB2-BD59-A6C34878D82A}">
+                    <a16:rowId xmlns:a16="http://schemas.microsoft.com/office/drawing/2014/main" val="3292116471"/>
+                  </a:ext>
+                </a:extLst>
+              </a:tr>
+              <a:tr h="397321">
+                <a:tc>
+                  <a:txBody>
+                    <a:bodyPr/>
+                    <a:lstStyle/>
+                    <a:p>
+                      <a:pPr marL="0" marR="0" lvl="0" indent="0" algn="l" defTabSz="1828800" rtl="0" eaLnBrk="1" fontAlgn="auto" latinLnBrk="0" hangingPunct="1">
+                        <a:lnSpc>
+                          <a:spcPct val="100000"/>
+                        </a:lnSpc>
+                        <a:spcBef>
+                          <a:spcPts val="0"/>
+                        </a:spcBef>
+                        <a:spcAft>
+                          <a:spcPts val="0"/>
+                        </a:spcAft>
+                        <a:buClrTx/>
+                        <a:buSzTx/>
+                        <a:buFontTx/>
+                        <a:buNone/>
+                        <a:tabLst/>
+                        <a:defRPr/>
+                      </a:pPr>
+                      <a:r>
+                        <a:rPr lang="en-US" sz="900" b="1" dirty="0">
+                          <a:effectLst/>
+                        </a:rPr>
+                        <a:t>Database Administrator </a:t>
+                      </a:r>
+                      <a:endParaRPr lang="en-US" sz="900" b="1" dirty="0"/>
+                    </a:p>
+                  </a:txBody>
+                  <a:tcPr anchor="ctr"/>
+                </a:tc>
+                <a:tc>
+                  <a:txBody>
+                    <a:bodyPr/>
+                    <a:lstStyle/>
+                    <a:p>
+                      <a:pPr marL="0" marR="0" lvl="0" indent="0" algn="r" defTabSz="1828800" rtl="0" eaLnBrk="1" fontAlgn="auto" latinLnBrk="0" hangingPunct="1">
+                        <a:lnSpc>
+                          <a:spcPct val="100000"/>
+                        </a:lnSpc>
+                        <a:spcBef>
+                          <a:spcPts val="0"/>
+                        </a:spcBef>
+                        <a:spcAft>
+                          <a:spcPts val="0"/>
+                        </a:spcAft>
+                        <a:buClrTx/>
+                        <a:buSzTx/>
+                        <a:buFontTx/>
+                        <a:buNone/>
+                        <a:tabLst/>
+                        <a:defRPr/>
+                      </a:pPr>
+                      <a:r>
+                        <a:rPr lang="en-US" sz="900" b="0" dirty="0">
+                          <a:effectLst/>
+                        </a:rPr>
+                        <a:t>-3.092</a:t>
+                      </a:r>
+                      <a:endParaRPr lang="en-US" sz="900" dirty="0"/>
+                    </a:p>
+                  </a:txBody>
+                  <a:tcPr anchor="ctr"/>
+                </a:tc>
+                <a:tc>
+                  <a:txBody>
+                    <a:bodyPr/>
+                    <a:lstStyle/>
+                    <a:p>
+                      <a:pPr algn="r"/>
+                      <a:r>
+                        <a:rPr lang="en-US" sz="900" dirty="0"/>
+                        <a:t>0.475</a:t>
+                      </a:r>
+                    </a:p>
+                  </a:txBody>
+                  <a:tcPr anchor="ctr"/>
+                </a:tc>
+                <a:extLst>
+                  <a:ext uri="{0D108BD9-81ED-4DB2-BD59-A6C34878D82A}">
+                    <a16:rowId xmlns:a16="http://schemas.microsoft.com/office/drawing/2014/main" val="548995288"/>
+                  </a:ext>
+                </a:extLst>
+              </a:tr>
+              <a:tr h="397321">
+                <a:tc>
+                  <a:txBody>
+                    <a:bodyPr/>
+                    <a:lstStyle/>
+                    <a:p>
+                      <a:r>
+                        <a:rPr lang="en-US" sz="900" b="1" dirty="0">
+                          <a:effectLst/>
+                        </a:rPr>
+                        <a:t>Data /Business</a:t>
+                      </a:r>
+                    </a:p>
+                    <a:p>
+                      <a:r>
+                        <a:rPr lang="en-US" sz="900" b="1" dirty="0">
+                          <a:effectLst/>
+                        </a:rPr>
+                        <a:t>Analyst</a:t>
+                      </a:r>
+                      <a:endParaRPr lang="en-US" sz="900" b="1" dirty="0"/>
+                    </a:p>
+                  </a:txBody>
+                  <a:tcPr anchor="ctr"/>
+                </a:tc>
+                <a:tc>
+                  <a:txBody>
+                    <a:bodyPr/>
+                    <a:lstStyle/>
+                    <a:p>
+                      <a:pPr marL="0" marR="0" lvl="0" indent="0" algn="r" defTabSz="1828800" rtl="0" eaLnBrk="1" fontAlgn="auto" latinLnBrk="0" hangingPunct="1">
+                        <a:lnSpc>
+                          <a:spcPct val="100000"/>
+                        </a:lnSpc>
+                        <a:spcBef>
+                          <a:spcPts val="0"/>
+                        </a:spcBef>
+                        <a:spcAft>
+                          <a:spcPts val="0"/>
+                        </a:spcAft>
+                        <a:buClrTx/>
+                        <a:buSzTx/>
+                        <a:buFontTx/>
+                        <a:buNone/>
+                        <a:tabLst/>
+                        <a:defRPr/>
+                      </a:pPr>
+                      <a:r>
+                        <a:rPr lang="en-US" sz="900" b="0" dirty="0">
+                          <a:effectLst/>
+                        </a:rPr>
+                        <a:t>-1.141</a:t>
+                      </a:r>
+                      <a:endParaRPr lang="en-US" sz="900" dirty="0"/>
+                    </a:p>
+                  </a:txBody>
+                  <a:tcPr anchor="ctr"/>
+                </a:tc>
+                <a:tc>
+                  <a:txBody>
+                    <a:bodyPr/>
+                    <a:lstStyle/>
+                    <a:p>
+                      <a:pPr algn="r"/>
+                      <a:r>
+                        <a:rPr lang="en-US" sz="900" dirty="0"/>
+                        <a:t>0.427</a:t>
+                      </a:r>
+                    </a:p>
+                  </a:txBody>
+                  <a:tcPr anchor="ctr"/>
+                </a:tc>
+                <a:extLst>
+                  <a:ext uri="{0D108BD9-81ED-4DB2-BD59-A6C34878D82A}">
+                    <a16:rowId xmlns:a16="http://schemas.microsoft.com/office/drawing/2014/main" val="3271710467"/>
+                  </a:ext>
+                </a:extLst>
+              </a:tr>
+              <a:tr h="265214">
+                <a:tc>
+                  <a:txBody>
+                    <a:bodyPr/>
+                    <a:lstStyle/>
+                    <a:p>
+                      <a:pPr marL="0" marR="0" lvl="0" indent="0" algn="l" defTabSz="1828800" rtl="0" eaLnBrk="1" fontAlgn="auto" latinLnBrk="0" hangingPunct="1">
+                        <a:lnSpc>
+                          <a:spcPct val="100000"/>
+                        </a:lnSpc>
+                        <a:spcBef>
+                          <a:spcPts val="0"/>
+                        </a:spcBef>
+                        <a:spcAft>
+                          <a:spcPts val="0"/>
+                        </a:spcAft>
+                        <a:buClrTx/>
+                        <a:buSzTx/>
+                        <a:buFontTx/>
+                        <a:buNone/>
+                        <a:tabLst/>
+                        <a:defRPr/>
+                      </a:pPr>
+                      <a:r>
+                        <a:rPr lang="en-US" sz="900" b="1" dirty="0">
+                          <a:effectLst/>
+                        </a:rPr>
+                        <a:t>Data Engineer</a:t>
+                      </a:r>
+                      <a:endParaRPr lang="en-US" sz="900" b="1" dirty="0"/>
+                    </a:p>
+                  </a:txBody>
+                  <a:tcPr anchor="ctr"/>
+                </a:tc>
+                <a:tc>
+                  <a:txBody>
+                    <a:bodyPr/>
+                    <a:lstStyle/>
+                    <a:p>
+                      <a:pPr marL="0" marR="0" lvl="0" indent="0" algn="r" defTabSz="1828800" rtl="0" eaLnBrk="1" fontAlgn="auto" latinLnBrk="0" hangingPunct="1">
+                        <a:lnSpc>
+                          <a:spcPct val="100000"/>
+                        </a:lnSpc>
+                        <a:spcBef>
+                          <a:spcPts val="0"/>
+                        </a:spcBef>
+                        <a:spcAft>
+                          <a:spcPts val="0"/>
+                        </a:spcAft>
+                        <a:buClrTx/>
+                        <a:buSzTx/>
+                        <a:buFontTx/>
+                        <a:buNone/>
+                        <a:tabLst/>
+                        <a:defRPr/>
+                      </a:pPr>
+                      <a:r>
+                        <a:rPr lang="en-US" sz="900" b="0" dirty="0">
+                          <a:effectLst/>
+                        </a:rPr>
+                        <a:t>4.061</a:t>
+                      </a:r>
+                      <a:endParaRPr lang="en-US" sz="900" dirty="0"/>
+                    </a:p>
+                  </a:txBody>
+                  <a:tcPr anchor="ctr"/>
+                </a:tc>
+                <a:tc>
+                  <a:txBody>
+                    <a:bodyPr/>
+                    <a:lstStyle/>
+                    <a:p>
+                      <a:pPr algn="r"/>
+                      <a:r>
+                        <a:rPr lang="en-US" sz="900" dirty="0"/>
+                        <a:t>0.524</a:t>
+                      </a:r>
+                    </a:p>
+                  </a:txBody>
+                  <a:tcPr anchor="ctr"/>
+                </a:tc>
+                <a:extLst>
+                  <a:ext uri="{0D108BD9-81ED-4DB2-BD59-A6C34878D82A}">
+                    <a16:rowId xmlns:a16="http://schemas.microsoft.com/office/drawing/2014/main" val="2665139240"/>
+                  </a:ext>
+                </a:extLst>
+              </a:tr>
+            </a:tbl>
+          </a:graphicData>
+        </a:graphic>
+      </p:graphicFrame>
+      <p:pic>
+        <p:nvPicPr>
+          <p:cNvPr id="19" name="Picture 18">
+            <a:extLst>
+              <a:ext uri="{FF2B5EF4-FFF2-40B4-BE49-F238E27FC236}">
+                <a16:creationId xmlns:a16="http://schemas.microsoft.com/office/drawing/2014/main" id="{203B5AB6-62B5-46D8-A400-C3A5A84FBF9E}"/>
+              </a:ext>
+            </a:extLst>
+          </p:cNvPr>
+          <p:cNvPicPr>
+            <a:picLocks noChangeAspect="1"/>
+          </p:cNvPicPr>
+          <p:nvPr/>
+        </p:nvPicPr>
+        <p:blipFill>
+          <a:blip r:embed="rId2"/>
+          <a:stretch>
+            <a:fillRect/>
+          </a:stretch>
+        </p:blipFill>
+        <p:spPr>
+          <a:xfrm>
+            <a:off x="590923" y="9812539"/>
+            <a:ext cx="5030266" cy="3205192"/>
+          </a:xfrm>
+          <a:prstGeom prst="rect">
+            <a:avLst/>
+          </a:prstGeom>
+        </p:spPr>
+      </p:pic>
+      <p:sp>
+        <p:nvSpPr>
+          <p:cNvPr id="22" name="Rectangle 21">
+            <a:extLst>
+              <a:ext uri="{FF2B5EF4-FFF2-40B4-BE49-F238E27FC236}">
+                <a16:creationId xmlns:a16="http://schemas.microsoft.com/office/drawing/2014/main" id="{42E9DE98-54A7-40BC-90D5-6AFAA88F138E}"/>
+              </a:ext>
+            </a:extLst>
+          </p:cNvPr>
+          <p:cNvSpPr/>
+          <p:nvPr/>
+        </p:nvSpPr>
+        <p:spPr>
+          <a:xfrm>
+            <a:off x="337917" y="8743510"/>
+            <a:ext cx="5536277" cy="771188"/>
+          </a:xfrm>
+          <a:prstGeom prst="rect">
+            <a:avLst/>
+          </a:prstGeom>
+          <a:solidFill>
+            <a:srgbClr val="92D050"/>
+          </a:solidFill>
+          <a:ln>
+            <a:noFill/>
+          </a:ln>
+        </p:spPr>
+        <p:style>
+          <a:lnRef idx="2">
+            <a:schemeClr val="dk1"/>
+          </a:lnRef>
+          <a:fillRef idx="1">
+            <a:schemeClr val="lt1"/>
+          </a:fillRef>
+          <a:effectRef idx="0">
+            <a:schemeClr val="dk1"/>
+          </a:effectRef>
+          <a:fontRef idx="minor">
+            <a:schemeClr val="dk1"/>
+          </a:fontRef>
+        </p:style>
+        <p:txBody>
+          <a:bodyPr rtlCol="0" anchor="ctr"/>
+          <a:lstStyle/>
+          <a:p>
+            <a:pPr algn="ctr"/>
+            <a:r>
+              <a:rPr lang="en-US" sz="2400" b="1" dirty="0">
+                <a:solidFill>
+                  <a:schemeClr val="bg1"/>
+                </a:solidFill>
+              </a:rPr>
+              <a:t>Data job in the world</a:t>
+            </a:r>
+          </a:p>
+        </p:txBody>
+      </p:sp>
+      <p:pic>
+        <p:nvPicPr>
+          <p:cNvPr id="20" name="Picture 4">
+            <a:extLst>
+              <a:ext uri="{FF2B5EF4-FFF2-40B4-BE49-F238E27FC236}">
+                <a16:creationId xmlns:a16="http://schemas.microsoft.com/office/drawing/2014/main" id="{EFC14917-7216-487D-ABBB-BED62F38CF52}"/>
+              </a:ext>
+            </a:extLst>
+          </p:cNvPr>
+          <p:cNvPicPr>
+            <a:picLocks noChangeAspect="1" noChangeArrowheads="1"/>
+          </p:cNvPicPr>
+          <p:nvPr/>
+        </p:nvPicPr>
+        <p:blipFill>
+          <a:blip r:embed="rId3">
+            <a:extLst>
+              <a:ext uri="{28A0092B-C50C-407E-A947-70E740481C1C}">
+                <a14:useLocalDpi xmlns:a14="http://schemas.microsoft.com/office/drawing/2010/main" val="0"/>
+              </a:ext>
+            </a:extLst>
+          </a:blip>
+          <a:srcRect/>
+          <a:stretch>
+            <a:fillRect/>
+          </a:stretch>
+        </p:blipFill>
+        <p:spPr bwMode="auto">
+          <a:xfrm>
+            <a:off x="12498167" y="5349552"/>
+            <a:ext cx="5536276" cy="1612850"/>
+          </a:xfrm>
+          <a:prstGeom prst="rect">
+            <a:avLst/>
+          </a:prstGeom>
+          <a:noFill/>
+          <a:extLst>
+            <a:ext uri="{909E8E84-426E-40DD-AFC4-6F175D3DCCD1}">
+              <a14:hiddenFill xmlns:a14="http://schemas.microsoft.com/office/drawing/2010/main">
+                <a:solidFill>
+                  <a:srgbClr val="FFFFFF"/>
+                </a:solidFill>
+              </a14:hiddenFill>
+            </a:ext>
+          </a:extLst>
+        </p:spPr>
+      </p:pic>
     </p:spTree>
     <p:extLst>
       <p:ext uri="{BB962C8B-B14F-4D97-AF65-F5344CB8AC3E}">

--- a/Report/StatsReport.pptx
+++ b/Report/StatsReport.pptx
@@ -243,7 +243,7 @@
           <a:p>
             <a:fld id="{AAC2331D-D4B3-4C06-B236-25CA15A32DEF}" type="datetimeFigureOut">
               <a:rPr lang="en-US" smtClean="0"/>
-              <a:t>1/24/2021</a:t>
+              <a:t>1/26/2021</a:t>
             </a:fld>
             <a:endParaRPr lang="en-US"/>
           </a:p>
@@ -413,7 +413,7 @@
           <a:p>
             <a:fld id="{AAC2331D-D4B3-4C06-B236-25CA15A32DEF}" type="datetimeFigureOut">
               <a:rPr lang="en-US" smtClean="0"/>
-              <a:t>1/24/2021</a:t>
+              <a:t>1/26/2021</a:t>
             </a:fld>
             <a:endParaRPr lang="en-US"/>
           </a:p>
@@ -593,7 +593,7 @@
           <a:p>
             <a:fld id="{AAC2331D-D4B3-4C06-B236-25CA15A32DEF}" type="datetimeFigureOut">
               <a:rPr lang="en-US" smtClean="0"/>
-              <a:t>1/24/2021</a:t>
+              <a:t>1/26/2021</a:t>
             </a:fld>
             <a:endParaRPr lang="en-US"/>
           </a:p>
@@ -763,7 +763,7 @@
           <a:p>
             <a:fld id="{AAC2331D-D4B3-4C06-B236-25CA15A32DEF}" type="datetimeFigureOut">
               <a:rPr lang="en-US" smtClean="0"/>
-              <a:t>1/24/2021</a:t>
+              <a:t>1/26/2021</a:t>
             </a:fld>
             <a:endParaRPr lang="en-US"/>
           </a:p>
@@ -1007,7 +1007,7 @@
           <a:p>
             <a:fld id="{AAC2331D-D4B3-4C06-B236-25CA15A32DEF}" type="datetimeFigureOut">
               <a:rPr lang="en-US" smtClean="0"/>
-              <a:t>1/24/2021</a:t>
+              <a:t>1/26/2021</a:t>
             </a:fld>
             <a:endParaRPr lang="en-US"/>
           </a:p>
@@ -1239,7 +1239,7 @@
           <a:p>
             <a:fld id="{AAC2331D-D4B3-4C06-B236-25CA15A32DEF}" type="datetimeFigureOut">
               <a:rPr lang="en-US" smtClean="0"/>
-              <a:t>1/24/2021</a:t>
+              <a:t>1/26/2021</a:t>
             </a:fld>
             <a:endParaRPr lang="en-US"/>
           </a:p>
@@ -1606,7 +1606,7 @@
           <a:p>
             <a:fld id="{AAC2331D-D4B3-4C06-B236-25CA15A32DEF}" type="datetimeFigureOut">
               <a:rPr lang="en-US" smtClean="0"/>
-              <a:t>1/24/2021</a:t>
+              <a:t>1/26/2021</a:t>
             </a:fld>
             <a:endParaRPr lang="en-US"/>
           </a:p>
@@ -1724,7 +1724,7 @@
           <a:p>
             <a:fld id="{AAC2331D-D4B3-4C06-B236-25CA15A32DEF}" type="datetimeFigureOut">
               <a:rPr lang="en-US" smtClean="0"/>
-              <a:t>1/24/2021</a:t>
+              <a:t>1/26/2021</a:t>
             </a:fld>
             <a:endParaRPr lang="en-US"/>
           </a:p>
@@ -1819,7 +1819,7 @@
           <a:p>
             <a:fld id="{AAC2331D-D4B3-4C06-B236-25CA15A32DEF}" type="datetimeFigureOut">
               <a:rPr lang="en-US" smtClean="0"/>
-              <a:t>1/24/2021</a:t>
+              <a:t>1/26/2021</a:t>
             </a:fld>
             <a:endParaRPr lang="en-US"/>
           </a:p>
@@ -2096,7 +2096,7 @@
           <a:p>
             <a:fld id="{AAC2331D-D4B3-4C06-B236-25CA15A32DEF}" type="datetimeFigureOut">
               <a:rPr lang="en-US" smtClean="0"/>
-              <a:t>1/24/2021</a:t>
+              <a:t>1/26/2021</a:t>
             </a:fld>
             <a:endParaRPr lang="en-US"/>
           </a:p>
@@ -2353,7 +2353,7 @@
           <a:p>
             <a:fld id="{AAC2331D-D4B3-4C06-B236-25CA15A32DEF}" type="datetimeFigureOut">
               <a:rPr lang="en-US" smtClean="0"/>
-              <a:t>1/24/2021</a:t>
+              <a:t>1/26/2021</a:t>
             </a:fld>
             <a:endParaRPr lang="en-US"/>
           </a:p>
@@ -2566,7 +2566,7 @@
           <a:p>
             <a:fld id="{AAC2331D-D4B3-4C06-B236-25CA15A32DEF}" type="datetimeFigureOut">
               <a:rPr lang="en-US" smtClean="0"/>
-              <a:t>1/24/2021</a:t>
+              <a:t>1/26/2021</a:t>
             </a:fld>
             <a:endParaRPr lang="en-US"/>
           </a:p>
@@ -4280,36 +4280,6 @@
           </a:graphicData>
         </a:graphic>
       </p:graphicFrame>
-      <p:pic>
-        <p:nvPicPr>
-          <p:cNvPr id="19" name="Picture 18">
-            <a:extLst>
-              <a:ext uri="{FF2B5EF4-FFF2-40B4-BE49-F238E27FC236}">
-                <a16:creationId xmlns:a16="http://schemas.microsoft.com/office/drawing/2014/main" id="{203B5AB6-62B5-46D8-A400-C3A5A84FBF9E}"/>
-              </a:ext>
-            </a:extLst>
-          </p:cNvPr>
-          <p:cNvPicPr>
-            <a:picLocks noChangeAspect="1"/>
-          </p:cNvPicPr>
-          <p:nvPr/>
-        </p:nvPicPr>
-        <p:blipFill>
-          <a:blip r:embed="rId2"/>
-          <a:stretch>
-            <a:fillRect/>
-          </a:stretch>
-        </p:blipFill>
-        <p:spPr>
-          <a:xfrm>
-            <a:off x="590923" y="9812539"/>
-            <a:ext cx="5030266" cy="3205192"/>
-          </a:xfrm>
-          <a:prstGeom prst="rect">
-            <a:avLst/>
-          </a:prstGeom>
-        </p:spPr>
-      </p:pic>
       <p:sp>
         <p:nvSpPr>
           <p:cNvPr id="22" name="Rectangle 21">
@@ -4324,7 +4294,7 @@
         </p:nvSpPr>
         <p:spPr>
           <a:xfrm>
-            <a:off x="337917" y="8743510"/>
+            <a:off x="337918" y="6410079"/>
             <a:ext cx="5536277" cy="771188"/>
           </a:xfrm>
           <a:prstGeom prst="rect">
@@ -4362,7 +4332,7 @@
                   <a:schemeClr val="bg1"/>
                 </a:solidFill>
               </a:rPr>
-              <a:t>Data job in the world</a:t>
+              <a:t>Salary of data jobs in the world</a:t>
             </a:r>
           </a:p>
         </p:txBody>
@@ -4382,7 +4352,7 @@
           <p:nvPr/>
         </p:nvPicPr>
         <p:blipFill>
-          <a:blip r:embed="rId3">
+          <a:blip r:embed="rId2">
             <a:extLst>
               <a:ext uri="{28A0092B-C50C-407E-A947-70E740481C1C}">
                 <a14:useLocalDpi xmlns:a14="http://schemas.microsoft.com/office/drawing/2010/main" val="0"/>
@@ -4398,6 +4368,83 @@
           <a:xfrm>
             <a:off x="12498167" y="5349552"/>
             <a:ext cx="5536276" cy="1612850"/>
+          </a:xfrm>
+          <a:prstGeom prst="rect">
+            <a:avLst/>
+          </a:prstGeom>
+          <a:noFill/>
+          <a:extLst>
+            <a:ext uri="{909E8E84-426E-40DD-AFC4-6F175D3DCCD1}">
+              <a14:hiddenFill xmlns:a14="http://schemas.microsoft.com/office/drawing/2010/main">
+                <a:solidFill>
+                  <a:srgbClr val="FFFFFF"/>
+                </a:solidFill>
+              </a14:hiddenFill>
+            </a:ext>
+          </a:extLst>
+        </p:spPr>
+      </p:pic>
+      <p:pic>
+        <p:nvPicPr>
+          <p:cNvPr id="24" name="Picture 23">
+            <a:extLst>
+              <a:ext uri="{FF2B5EF4-FFF2-40B4-BE49-F238E27FC236}">
+                <a16:creationId xmlns:a16="http://schemas.microsoft.com/office/drawing/2014/main" id="{228719C9-354A-4CB2-A868-4C55DAD35E4E}"/>
+              </a:ext>
+            </a:extLst>
+          </p:cNvPr>
+          <p:cNvPicPr>
+            <a:picLocks noChangeAspect="1"/>
+          </p:cNvPicPr>
+          <p:nvPr/>
+        </p:nvPicPr>
+        <p:blipFill>
+          <a:blip r:embed="rId3"/>
+          <a:stretch>
+            <a:fillRect/>
+          </a:stretch>
+        </p:blipFill>
+        <p:spPr>
+          <a:xfrm>
+            <a:off x="431056" y="7317335"/>
+            <a:ext cx="5354877" cy="2903184"/>
+          </a:xfrm>
+          <a:prstGeom prst="rect">
+            <a:avLst/>
+          </a:prstGeom>
+        </p:spPr>
+      </p:pic>
+      <p:pic>
+        <p:nvPicPr>
+          <p:cNvPr id="1028" name="Picture 4">
+            <a:extLst>
+              <a:ext uri="{FF2B5EF4-FFF2-40B4-BE49-F238E27FC236}">
+                <a16:creationId xmlns:a16="http://schemas.microsoft.com/office/drawing/2014/main" id="{EA99120C-66B9-4B55-A55E-07D436835DA9}"/>
+              </a:ext>
+            </a:extLst>
+          </p:cNvPr>
+          <p:cNvPicPr>
+            <a:picLocks noChangeAspect="1" noChangeArrowheads="1"/>
+          </p:cNvPicPr>
+          <p:nvPr/>
+        </p:nvPicPr>
+        <p:blipFill>
+          <a:blip r:embed="rId4">
+            <a:extLst>
+              <a:ext uri="{28A0092B-C50C-407E-A947-70E740481C1C}">
+                <a14:useLocalDpi xmlns:a14="http://schemas.microsoft.com/office/drawing/2010/main" val="0"/>
+              </a:ext>
+            </a:extLst>
+          </a:blip>
+          <a:srcRect/>
+          <a:stretch>
+            <a:fillRect/>
+          </a:stretch>
+        </p:blipFill>
+        <p:spPr bwMode="auto">
+          <a:xfrm>
+            <a:off x="431056" y="10477381"/>
+            <a:ext cx="4600904" cy="2204600"/>
           </a:xfrm>
           <a:prstGeom prst="rect">
             <a:avLst/>
